--- a/Bonus Tasks/1. Compiler/Compiler_ShlokPandey_S20180010165.pptx
+++ b/Bonus Tasks/1. Compiler/Compiler_ShlokPandey_S20180010165.pptx
@@ -5899,13 +5899,13 @@
   <p:clrMapOvr>
     <a:masterClrMapping/>
   </p:clrMapOvr>
-  <mc:AlternateContent xmlns:mc="http://schemas.openxmlformats.org/markup-compatibility/2006">
-    <mc:Choice xmlns:p15="http://schemas.microsoft.com/office/powerpoint/2012/main" Requires="p15">
+  <mc:AlternateContent xmlns:mc="http://schemas.openxmlformats.org/markup-compatibility/2006" xmlns:p15="http://schemas.microsoft.com/office/powerpoint/2012/main">
+    <mc:Choice Requires="p15">
       <p:transition xmlns:p14="http://schemas.microsoft.com/office/powerpoint/2010/main" spd="slow" p14:dur="3000">
         <p15:prstTrans prst="curtains"/>
       </p:transition>
     </mc:Choice>
-    <mc:Fallback>
+    <mc:Fallback xmlns="">
       <p:transition spd="slow">
         <p:fade/>
       </p:transition>
@@ -6014,13 +6014,13 @@
   <p:clrMapOvr>
     <a:masterClrMapping/>
   </p:clrMapOvr>
-  <mc:AlternateContent xmlns:mc="http://schemas.openxmlformats.org/markup-compatibility/2006">
-    <mc:Choice xmlns:p14="http://schemas.microsoft.com/office/powerpoint/2010/main" Requires="p14">
+  <mc:AlternateContent xmlns:mc="http://schemas.openxmlformats.org/markup-compatibility/2006" xmlns:p14="http://schemas.microsoft.com/office/powerpoint/2010/main">
+    <mc:Choice Requires="p14">
       <p:transition spd="slow">
         <p14:flash/>
       </p:transition>
     </mc:Choice>
-    <mc:Fallback>
+    <mc:Fallback xmlns="">
       <p:transition spd="slow">
         <p:fade/>
       </p:transition>
@@ -6500,13 +6500,13 @@
   <p:clrMapOvr>
     <a:masterClrMapping/>
   </p:clrMapOvr>
-  <mc:AlternateContent xmlns:mc="http://schemas.openxmlformats.org/markup-compatibility/2006">
-    <mc:Choice xmlns:p15="http://schemas.microsoft.com/office/powerpoint/2012/main" Requires="p15">
+  <mc:AlternateContent xmlns:mc="http://schemas.openxmlformats.org/markup-compatibility/2006" xmlns:p15="http://schemas.microsoft.com/office/powerpoint/2012/main">
+    <mc:Choice Requires="p15">
       <p:transition xmlns:p14="http://schemas.microsoft.com/office/powerpoint/2010/main" spd="slow" p14:dur="1250">
         <p15:prstTrans prst="peelOff"/>
       </p:transition>
     </mc:Choice>
-    <mc:Fallback>
+    <mc:Fallback xmlns="">
       <p:transition spd="slow">
         <p:fade/>
       </p:transition>
@@ -6593,13 +6593,8 @@
           <a:p>
             <a:r>
               <a:rPr lang="en-IN" dirty="0" smtClean="0"/>
-              <a:t>According to me, you should choose GNU GCC with </a:t>
-            </a:r>
-            <a:r>
-              <a:rPr lang="en-IN" dirty="0" smtClean="0"/>
-              <a:t>Linux.</a:t>
-            </a:r>
-            <a:endParaRPr lang="en-IN" dirty="0" smtClean="0"/>
+              <a:t>According to me, you should choose GNU GCC with Linux.</a:t>
+            </a:r>
           </a:p>
           <a:p>
             <a:r>
@@ -6612,15 +6607,7 @@
             </a:r>
             <a:r>
               <a:rPr lang="en-IN" dirty="0" smtClean="0"/>
-              <a:t> </a:t>
-            </a:r>
-            <a:r>
-              <a:rPr lang="en-IN" dirty="0" smtClean="0"/>
-              <a:t>time</a:t>
-            </a:r>
-            <a:r>
-              <a:rPr lang="en-IN" dirty="0" smtClean="0"/>
-              <a:t>.</a:t>
+              <a:t> time.</a:t>
             </a:r>
             <a:r>
               <a:rPr lang="en-IN" dirty="0"/>
@@ -6643,13 +6630,13 @@
   <p:clrMapOvr>
     <a:masterClrMapping/>
   </p:clrMapOvr>
-  <mc:AlternateContent xmlns:mc="http://schemas.openxmlformats.org/markup-compatibility/2006">
-    <mc:Choice xmlns:p14="http://schemas.microsoft.com/office/powerpoint/2010/main" Requires="p14">
+  <mc:AlternateContent xmlns:mc="http://schemas.openxmlformats.org/markup-compatibility/2006" xmlns:p14="http://schemas.microsoft.com/office/powerpoint/2010/main">
+    <mc:Choice Requires="p14">
       <p:transition spd="slow" p14:dur="2000">
         <p14:honeycomb/>
       </p:transition>
     </mc:Choice>
-    <mc:Fallback>
+    <mc:Fallback xmlns="">
       <p:transition spd="slow">
         <p:fade/>
       </p:transition>
@@ -6771,13 +6758,13 @@
   <p:clrMapOvr>
     <a:masterClrMapping/>
   </p:clrMapOvr>
-  <mc:AlternateContent xmlns:mc="http://schemas.openxmlformats.org/markup-compatibility/2006">
-    <mc:Choice xmlns:p15="http://schemas.microsoft.com/office/powerpoint/2012/main" Requires="p15">
+  <mc:AlternateContent xmlns:mc="http://schemas.openxmlformats.org/markup-compatibility/2006" xmlns:p15="http://schemas.microsoft.com/office/powerpoint/2012/main">
+    <mc:Choice Requires="p15">
       <p:transition xmlns:p14="http://schemas.microsoft.com/office/powerpoint/2010/main" spd="slow" p14:dur="2000">
         <p15:prstTrans prst="prestige"/>
       </p:transition>
     </mc:Choice>
-    <mc:Fallback>
+    <mc:Fallback xmlns="">
       <p:transition spd="slow">
         <p:fade/>
       </p:transition>
@@ -6900,7 +6887,15 @@
           <a:p>
             <a:r>
               <a:rPr lang="en-IN" dirty="0" smtClean="0"/>
-              <a:t>Once upon a time, there was a guy named Dennis Richie. One day he was thinking about </a:t>
+              <a:t>Once upon a time, there was a guy named Dennis </a:t>
+            </a:r>
+            <a:r>
+              <a:rPr lang="en-IN" dirty="0" smtClean="0"/>
+              <a:t>Ritchie</a:t>
+            </a:r>
+            <a:r>
+              <a:rPr lang="en-IN" dirty="0" smtClean="0"/>
+              <a:t>. One day he was thinking about </a:t>
             </a:r>
             <a:r>
               <a:rPr lang="en-US" dirty="0" smtClean="0"/>
@@ -6976,13 +6971,13 @@
   <p:clrMapOvr>
     <a:masterClrMapping/>
   </p:clrMapOvr>
-  <mc:AlternateContent xmlns:mc="http://schemas.openxmlformats.org/markup-compatibility/2006">
-    <mc:Choice xmlns:p14="http://schemas.microsoft.com/office/powerpoint/2010/main" Requires="p14">
+  <mc:AlternateContent xmlns:mc="http://schemas.openxmlformats.org/markup-compatibility/2006" xmlns:p14="http://schemas.microsoft.com/office/powerpoint/2010/main">
+    <mc:Choice Requires="p14">
       <p:transition spd="slow" p14:dur="1200">
         <p:dissolve/>
       </p:transition>
     </mc:Choice>
-    <mc:Fallback>
+    <mc:Fallback xmlns="">
       <p:transition spd="slow">
         <p:dissolve/>
       </p:transition>
@@ -7067,15 +7062,7 @@
           <a:p>
             <a:r>
               <a:rPr lang="en-IN" dirty="0" smtClean="0"/>
-              <a:t>Wait, Let me explain it to you in a </a:t>
-            </a:r>
-            <a:r>
-              <a:rPr lang="en-IN" dirty="0" smtClean="0"/>
-              <a:t>layman’s </a:t>
-            </a:r>
-            <a:r>
-              <a:rPr lang="en-IN" dirty="0" smtClean="0"/>
-              <a:t>language.</a:t>
+              <a:t>Wait, Let me explain it to you in a layman’s language.</a:t>
             </a:r>
           </a:p>
           <a:p>
@@ -7261,13 +7248,13 @@
   <p:clrMapOvr>
     <a:masterClrMapping/>
   </p:clrMapOvr>
-  <mc:AlternateContent xmlns:mc="http://schemas.openxmlformats.org/markup-compatibility/2006">
-    <mc:Choice xmlns:p14="http://schemas.microsoft.com/office/powerpoint/2010/main" Requires="p14">
+  <mc:AlternateContent xmlns:mc="http://schemas.openxmlformats.org/markup-compatibility/2006" xmlns:p14="http://schemas.microsoft.com/office/powerpoint/2010/main">
+    <mc:Choice Requires="p14">
       <p:transition spd="slow" p14:dur="2000">
         <p14:glitter pattern="hexagon"/>
       </p:transition>
     </mc:Choice>
-    <mc:Fallback>
+    <mc:Fallback xmlns="">
       <p:transition spd="slow">
         <p:fade/>
       </p:transition>
@@ -7519,13 +7506,13 @@
   <p:clrMapOvr>
     <a:masterClrMapping/>
   </p:clrMapOvr>
-  <mc:AlternateContent xmlns:mc="http://schemas.openxmlformats.org/markup-compatibility/2006">
-    <mc:Choice xmlns:p14="http://schemas.microsoft.com/office/powerpoint/2010/main" Requires="p14">
+  <mc:AlternateContent xmlns:mc="http://schemas.openxmlformats.org/markup-compatibility/2006" xmlns:p14="http://schemas.microsoft.com/office/powerpoint/2010/main">
+    <mc:Choice Requires="p14">
       <p:transition spd="slow" p14:dur="1500">
         <p:split orient="vert"/>
       </p:transition>
     </mc:Choice>
-    <mc:Fallback>
+    <mc:Fallback xmlns="">
       <p:transition spd="slow">
         <p:split orient="vert"/>
       </p:transition>
@@ -7598,13 +7585,8 @@
           <a:p>
             <a:r>
               <a:rPr lang="en-IN" dirty="0" smtClean="0"/>
-              <a:t>Again same guy, Dennis Ritchie developed the first C Compiler(not the first compiler),  at Bell Labs</a:t>
-            </a:r>
-            <a:r>
-              <a:rPr lang="en-IN" dirty="0" smtClean="0"/>
-              <a:t>.</a:t>
-            </a:r>
-            <a:endParaRPr lang="en-IN" dirty="0" smtClean="0"/>
+              <a:t>Again same guy, Dennis Ritchie developed the first C Compiler(not the first compiler),  at Bell Labs.</a:t>
+            </a:r>
           </a:p>
           <a:p>
             <a:r>
@@ -7678,13 +7660,13 @@
   <p:clrMapOvr>
     <a:masterClrMapping/>
   </p:clrMapOvr>
-  <mc:AlternateContent xmlns:mc="http://schemas.openxmlformats.org/markup-compatibility/2006">
-    <mc:Choice xmlns:p14="http://schemas.microsoft.com/office/powerpoint/2010/main" Requires="p14">
+  <mc:AlternateContent xmlns:mc="http://schemas.openxmlformats.org/markup-compatibility/2006" xmlns:p14="http://schemas.microsoft.com/office/powerpoint/2010/main">
+    <mc:Choice Requires="p14">
       <p:transition spd="slow" p14:dur="2000">
         <p14:ferris dir="l"/>
       </p:transition>
     </mc:Choice>
-    <mc:Fallback>
+    <mc:Fallback xmlns="">
       <p:transition spd="slow">
         <p:fade/>
       </p:transition>
@@ -7777,24 +7759,16 @@
           <a:p>
             <a:r>
               <a:rPr lang="en-IN" dirty="0" smtClean="0"/>
-              <a:t>Each of the above noun has different variants which are similar, yet different from each other</a:t>
-            </a:r>
+              <a:t>Each of the above noun has different variants which are similar, yet different from each other.</a:t>
+            </a:r>
+          </a:p>
+          <a:p>
+            <a:endParaRPr lang="en-IN" dirty="0" smtClean="0"/>
+          </a:p>
+          <a:p>
             <a:r>
               <a:rPr lang="en-IN" dirty="0" smtClean="0"/>
-              <a:t>.</a:t>
-            </a:r>
-          </a:p>
-          <a:p>
-            <a:endParaRPr lang="en-IN" dirty="0" smtClean="0"/>
-          </a:p>
-          <a:p>
-            <a:r>
-              <a:rPr lang="en-IN" dirty="0" smtClean="0"/>
-              <a:t>Similarly compilers also have different versions with added/changed features which execute same instructions but using various methods</a:t>
-            </a:r>
-            <a:r>
-              <a:rPr lang="en-IN" dirty="0" smtClean="0"/>
-              <a:t>.</a:t>
+              <a:t>Similarly compilers also have different versions with added/changed features which execute same instructions but using various methods.</a:t>
             </a:r>
             <a:endParaRPr lang="en-IN" dirty="0"/>
           </a:p>
@@ -7810,13 +7784,13 @@
   <p:clrMapOvr>
     <a:masterClrMapping/>
   </p:clrMapOvr>
-  <mc:AlternateContent xmlns:mc="http://schemas.openxmlformats.org/markup-compatibility/2006">
-    <mc:Choice xmlns:p14="http://schemas.microsoft.com/office/powerpoint/2010/main" Requires="p14">
+  <mc:AlternateContent xmlns:mc="http://schemas.openxmlformats.org/markup-compatibility/2006" xmlns:p14="http://schemas.microsoft.com/office/powerpoint/2010/main">
+    <mc:Choice Requires="p14">
       <p:transition spd="slow" p14:dur="900">
         <p14:warp dir="in"/>
       </p:transition>
     </mc:Choice>
-    <mc:Fallback>
+    <mc:Fallback xmlns="">
       <p:transition spd="slow">
         <p:fade/>
       </p:transition>
@@ -7975,13 +7949,13 @@
   <p:clrMapOvr>
     <a:masterClrMapping/>
   </p:clrMapOvr>
-  <mc:AlternateContent xmlns:mc="http://schemas.openxmlformats.org/markup-compatibility/2006">
-    <mc:Choice xmlns:p14="http://schemas.microsoft.com/office/powerpoint/2010/main" Requires="p14">
+  <mc:AlternateContent xmlns:mc="http://schemas.openxmlformats.org/markup-compatibility/2006" xmlns:p14="http://schemas.microsoft.com/office/powerpoint/2010/main">
+    <mc:Choice Requires="p14">
       <p:transition spd="slow" p14:dur="1400">
         <p14:ripple/>
       </p:transition>
     </mc:Choice>
-    <mc:Fallback>
+    <mc:Fallback xmlns="">
       <p:transition spd="slow">
         <p:fade/>
       </p:transition>
